--- a/ppt/Dataset Preprocessing Steps.pptx
+++ b/ppt/Dataset Preprocessing Steps.pptx
@@ -112,6 +112,11 @@
       </a:defRPr>
     </a:lvl9pPr>
   </p:defaultTextStyle>
+  <p:extLst>
+    <p:ext uri="{EFAFB233-063F-42B5-8137-9DF3F51BA10A}">
+      <p15:sldGuideLst xmlns:p15="http://schemas.microsoft.com/office/powerpoint/2012/main"/>
+    </p:ext>
+  </p:extLst>
 </p:presentation>
 </file>
 
@@ -246,7 +251,7 @@
           <a:p>
             <a:fld id="{9558796E-4B7D-45A1-A5F4-380541084AD6}" type="datetimeFigureOut">
               <a:rPr lang="en-US" smtClean="0"/>
-              <a:t>3/4/2020</a:t>
+              <a:t>3/5/2020</a:t>
             </a:fld>
             <a:endParaRPr lang="en-US"/>
           </a:p>
@@ -416,7 +421,7 @@
           <a:p>
             <a:fld id="{9558796E-4B7D-45A1-A5F4-380541084AD6}" type="datetimeFigureOut">
               <a:rPr lang="en-US" smtClean="0"/>
-              <a:t>3/4/2020</a:t>
+              <a:t>3/5/2020</a:t>
             </a:fld>
             <a:endParaRPr lang="en-US"/>
           </a:p>
@@ -596,7 +601,7 @@
           <a:p>
             <a:fld id="{9558796E-4B7D-45A1-A5F4-380541084AD6}" type="datetimeFigureOut">
               <a:rPr lang="en-US" smtClean="0"/>
-              <a:t>3/4/2020</a:t>
+              <a:t>3/5/2020</a:t>
             </a:fld>
             <a:endParaRPr lang="en-US"/>
           </a:p>
@@ -766,7 +771,7 @@
           <a:p>
             <a:fld id="{9558796E-4B7D-45A1-A5F4-380541084AD6}" type="datetimeFigureOut">
               <a:rPr lang="en-US" smtClean="0"/>
-              <a:t>3/4/2020</a:t>
+              <a:t>3/5/2020</a:t>
             </a:fld>
             <a:endParaRPr lang="en-US"/>
           </a:p>
@@ -1012,7 +1017,7 @@
           <a:p>
             <a:fld id="{9558796E-4B7D-45A1-A5F4-380541084AD6}" type="datetimeFigureOut">
               <a:rPr lang="en-US" smtClean="0"/>
-              <a:t>3/4/2020</a:t>
+              <a:t>3/5/2020</a:t>
             </a:fld>
             <a:endParaRPr lang="en-US"/>
           </a:p>
@@ -1244,7 +1249,7 @@
           <a:p>
             <a:fld id="{9558796E-4B7D-45A1-A5F4-380541084AD6}" type="datetimeFigureOut">
               <a:rPr lang="en-US" smtClean="0"/>
-              <a:t>3/4/2020</a:t>
+              <a:t>3/5/2020</a:t>
             </a:fld>
             <a:endParaRPr lang="en-US"/>
           </a:p>
@@ -1611,7 +1616,7 @@
           <a:p>
             <a:fld id="{9558796E-4B7D-45A1-A5F4-380541084AD6}" type="datetimeFigureOut">
               <a:rPr lang="en-US" smtClean="0"/>
-              <a:t>3/4/2020</a:t>
+              <a:t>3/5/2020</a:t>
             </a:fld>
             <a:endParaRPr lang="en-US"/>
           </a:p>
@@ -1729,7 +1734,7 @@
           <a:p>
             <a:fld id="{9558796E-4B7D-45A1-A5F4-380541084AD6}" type="datetimeFigureOut">
               <a:rPr lang="en-US" smtClean="0"/>
-              <a:t>3/4/2020</a:t>
+              <a:t>3/5/2020</a:t>
             </a:fld>
             <a:endParaRPr lang="en-US"/>
           </a:p>
@@ -1824,7 +1829,7 @@
           <a:p>
             <a:fld id="{9558796E-4B7D-45A1-A5F4-380541084AD6}" type="datetimeFigureOut">
               <a:rPr lang="en-US" smtClean="0"/>
-              <a:t>3/4/2020</a:t>
+              <a:t>3/5/2020</a:t>
             </a:fld>
             <a:endParaRPr lang="en-US"/>
           </a:p>
@@ -2101,7 +2106,7 @@
           <a:p>
             <a:fld id="{9558796E-4B7D-45A1-A5F4-380541084AD6}" type="datetimeFigureOut">
               <a:rPr lang="en-US" smtClean="0"/>
-              <a:t>3/4/2020</a:t>
+              <a:t>3/5/2020</a:t>
             </a:fld>
             <a:endParaRPr lang="en-US"/>
           </a:p>
@@ -2354,7 +2359,7 @@
           <a:p>
             <a:fld id="{9558796E-4B7D-45A1-A5F4-380541084AD6}" type="datetimeFigureOut">
               <a:rPr lang="en-US" smtClean="0"/>
-              <a:t>3/4/2020</a:t>
+              <a:t>3/5/2020</a:t>
             </a:fld>
             <a:endParaRPr lang="en-US"/>
           </a:p>
@@ -2567,7 +2572,7 @@
           <a:p>
             <a:fld id="{9558796E-4B7D-45A1-A5F4-380541084AD6}" type="datetimeFigureOut">
               <a:rPr lang="en-US" smtClean="0"/>
-              <a:t>3/4/2020</a:t>
+              <a:t>3/5/2020</a:t>
             </a:fld>
             <a:endParaRPr lang="en-US"/>
           </a:p>
@@ -3621,9 +3626,24 @@
           <a:p>
             <a:r>
               <a:rPr lang="en-US" dirty="0" smtClean="0"/>
-              <a:t>This sub image again is pure with only the “wall with no defects” class</a:t>
-            </a:r>
-            <a:endParaRPr lang="en-US" dirty="0" smtClean="0"/>
+              <a:t>This sub image again is pure with only the </a:t>
+            </a:r>
+            <a:r>
+              <a:rPr lang="en-US" dirty="0" smtClean="0"/>
+              <a:t>“</a:t>
+            </a:r>
+            <a:r>
+              <a:rPr lang="en-US" dirty="0" smtClean="0"/>
+              <a:t>damp wall</a:t>
+            </a:r>
+            <a:r>
+              <a:rPr lang="en-US" dirty="0" smtClean="0"/>
+              <a:t>” </a:t>
+            </a:r>
+            <a:r>
+              <a:rPr lang="en-US" dirty="0" smtClean="0"/>
+              <a:t>class</a:t>
+            </a:r>
           </a:p>
           <a:p>
             <a:endParaRPr lang="en-US" dirty="0"/>
@@ -3729,7 +3749,23 @@
           <a:p>
             <a:r>
               <a:rPr lang="en-US" dirty="0" smtClean="0"/>
-              <a:t>Adjacent image shows that the user has tagged the sub image as “wall with no defects” class</a:t>
+              <a:t>Adjacent image shows that the user has tagged the sub image as </a:t>
+            </a:r>
+            <a:r>
+              <a:rPr lang="en-US" dirty="0" smtClean="0"/>
+              <a:t>“</a:t>
+            </a:r>
+            <a:r>
+              <a:rPr lang="en-US" dirty="0" smtClean="0"/>
+              <a:t>damp wall</a:t>
+            </a:r>
+            <a:r>
+              <a:rPr lang="en-US" dirty="0" smtClean="0"/>
+              <a:t>” </a:t>
+            </a:r>
+            <a:r>
+              <a:rPr lang="en-US" dirty="0" smtClean="0"/>
+              <a:t>class</a:t>
             </a:r>
             <a:endParaRPr lang="en-US" dirty="0"/>
           </a:p>
@@ -3834,7 +3870,19 @@
           <a:p>
             <a:r>
               <a:rPr lang="en-US" dirty="0" smtClean="0"/>
-              <a:t>The crop window that was selected in the previous step was a “not a wall” class</a:t>
+              <a:t>The crop window that was selected in the previous step was a </a:t>
+            </a:r>
+            <a:r>
+              <a:rPr lang="en-US" dirty="0" smtClean="0"/>
+              <a:t>“</a:t>
+            </a:r>
+            <a:r>
+              <a:rPr lang="en-US" smtClean="0"/>
+              <a:t>damp wall” </a:t>
+            </a:r>
+            <a:r>
+              <a:rPr lang="en-US" dirty="0" smtClean="0"/>
+              <a:t>class</a:t>
             </a:r>
           </a:p>
           <a:p>

--- a/ppt/Dataset Preprocessing Steps.pptx
+++ b/ppt/Dataset Preprocessing Steps.pptx
@@ -7,13 +7,14 @@
   <p:sldIdLst>
     <p:sldId id="256" r:id="rId2"/>
     <p:sldId id="257" r:id="rId3"/>
-    <p:sldId id="258" r:id="rId4"/>
-    <p:sldId id="259" r:id="rId5"/>
-    <p:sldId id="263" r:id="rId6"/>
-    <p:sldId id="260" r:id="rId7"/>
-    <p:sldId id="261" r:id="rId8"/>
-    <p:sldId id="262" r:id="rId9"/>
-    <p:sldId id="264" r:id="rId10"/>
+    <p:sldId id="260" r:id="rId4"/>
+    <p:sldId id="261" r:id="rId5"/>
+    <p:sldId id="259" r:id="rId6"/>
+    <p:sldId id="263" r:id="rId7"/>
+    <p:sldId id="262" r:id="rId8"/>
+    <p:sldId id="264" r:id="rId9"/>
+    <p:sldId id="265" r:id="rId10"/>
+    <p:sldId id="266" r:id="rId11"/>
   </p:sldIdLst>
   <p:sldSz cx="12192000" cy="6858000"/>
   <p:notesSz cx="6858000" cy="9144000"/>
@@ -112,11 +113,6 @@
       </a:defRPr>
     </a:lvl9pPr>
   </p:defaultTextStyle>
-  <p:extLst>
-    <p:ext uri="{EFAFB233-063F-42B5-8137-9DF3F51BA10A}">
-      <p15:sldGuideLst xmlns:p15="http://schemas.microsoft.com/office/powerpoint/2012/main"/>
-    </p:ext>
-  </p:extLst>
 </p:presentation>
 </file>
 
@@ -249,9 +245,9 @@
           <a:bodyPr/>
           <a:lstStyle/>
           <a:p>
-            <a:fld id="{9558796E-4B7D-45A1-A5F4-380541084AD6}" type="datetimeFigureOut">
-              <a:rPr lang="en-US" smtClean="0"/>
-              <a:t>3/5/2020</a:t>
+            <a:fld id="{23A3E5DA-E640-4CF1-AA96-746F6E0DCFED}" type="datetimeFigureOut">
+              <a:rPr lang="en-US" smtClean="0"/>
+              <a:t>3/18/2020</a:t>
             </a:fld>
             <a:endParaRPr lang="en-US"/>
           </a:p>
@@ -291,7 +287,7 @@
           <a:bodyPr/>
           <a:lstStyle/>
           <a:p>
-            <a:fld id="{9AED0E29-9F28-45D6-9E88-164CBCA15289}" type="slidenum">
+            <a:fld id="{38E1E91B-FD7B-4ECF-A438-740E87E1F004}" type="slidenum">
               <a:rPr lang="en-US" smtClean="0"/>
               <a:t>‹#›</a:t>
             </a:fld>
@@ -302,7 +298,7 @@
     </p:spTree>
     <p:extLst>
       <p:ext uri="{BB962C8B-B14F-4D97-AF65-F5344CB8AC3E}">
-        <p14:creationId xmlns:p14="http://schemas.microsoft.com/office/powerpoint/2010/main" val="2093320853"/>
+        <p14:creationId xmlns:p14="http://schemas.microsoft.com/office/powerpoint/2010/main" val="260953291"/>
       </p:ext>
     </p:extLst>
   </p:cSld>
@@ -419,9 +415,9 @@
           <a:bodyPr/>
           <a:lstStyle/>
           <a:p>
-            <a:fld id="{9558796E-4B7D-45A1-A5F4-380541084AD6}" type="datetimeFigureOut">
-              <a:rPr lang="en-US" smtClean="0"/>
-              <a:t>3/5/2020</a:t>
+            <a:fld id="{23A3E5DA-E640-4CF1-AA96-746F6E0DCFED}" type="datetimeFigureOut">
+              <a:rPr lang="en-US" smtClean="0"/>
+              <a:t>3/18/2020</a:t>
             </a:fld>
             <a:endParaRPr lang="en-US"/>
           </a:p>
@@ -461,7 +457,7 @@
           <a:bodyPr/>
           <a:lstStyle/>
           <a:p>
-            <a:fld id="{9AED0E29-9F28-45D6-9E88-164CBCA15289}" type="slidenum">
+            <a:fld id="{38E1E91B-FD7B-4ECF-A438-740E87E1F004}" type="slidenum">
               <a:rPr lang="en-US" smtClean="0"/>
               <a:t>‹#›</a:t>
             </a:fld>
@@ -472,7 +468,7 @@
     </p:spTree>
     <p:extLst>
       <p:ext uri="{BB962C8B-B14F-4D97-AF65-F5344CB8AC3E}">
-        <p14:creationId xmlns:p14="http://schemas.microsoft.com/office/powerpoint/2010/main" val="615173689"/>
+        <p14:creationId xmlns:p14="http://schemas.microsoft.com/office/powerpoint/2010/main" val="3759471586"/>
       </p:ext>
     </p:extLst>
   </p:cSld>
@@ -599,9 +595,9 @@
           <a:bodyPr/>
           <a:lstStyle/>
           <a:p>
-            <a:fld id="{9558796E-4B7D-45A1-A5F4-380541084AD6}" type="datetimeFigureOut">
-              <a:rPr lang="en-US" smtClean="0"/>
-              <a:t>3/5/2020</a:t>
+            <a:fld id="{23A3E5DA-E640-4CF1-AA96-746F6E0DCFED}" type="datetimeFigureOut">
+              <a:rPr lang="en-US" smtClean="0"/>
+              <a:t>3/18/2020</a:t>
             </a:fld>
             <a:endParaRPr lang="en-US"/>
           </a:p>
@@ -641,7 +637,7 @@
           <a:bodyPr/>
           <a:lstStyle/>
           <a:p>
-            <a:fld id="{9AED0E29-9F28-45D6-9E88-164CBCA15289}" type="slidenum">
+            <a:fld id="{38E1E91B-FD7B-4ECF-A438-740E87E1F004}" type="slidenum">
               <a:rPr lang="en-US" smtClean="0"/>
               <a:t>‹#›</a:t>
             </a:fld>
@@ -652,7 +648,7 @@
     </p:spTree>
     <p:extLst>
       <p:ext uri="{BB962C8B-B14F-4D97-AF65-F5344CB8AC3E}">
-        <p14:creationId xmlns:p14="http://schemas.microsoft.com/office/powerpoint/2010/main" val="2787569466"/>
+        <p14:creationId xmlns:p14="http://schemas.microsoft.com/office/powerpoint/2010/main" val="2867654964"/>
       </p:ext>
     </p:extLst>
   </p:cSld>
@@ -769,9 +765,9 @@
           <a:bodyPr/>
           <a:lstStyle/>
           <a:p>
-            <a:fld id="{9558796E-4B7D-45A1-A5F4-380541084AD6}" type="datetimeFigureOut">
-              <a:rPr lang="en-US" smtClean="0"/>
-              <a:t>3/5/2020</a:t>
+            <a:fld id="{23A3E5DA-E640-4CF1-AA96-746F6E0DCFED}" type="datetimeFigureOut">
+              <a:rPr lang="en-US" smtClean="0"/>
+              <a:t>3/18/2020</a:t>
             </a:fld>
             <a:endParaRPr lang="en-US"/>
           </a:p>
@@ -811,7 +807,7 @@
           <a:bodyPr/>
           <a:lstStyle/>
           <a:p>
-            <a:fld id="{9AED0E29-9F28-45D6-9E88-164CBCA15289}" type="slidenum">
+            <a:fld id="{38E1E91B-FD7B-4ECF-A438-740E87E1F004}" type="slidenum">
               <a:rPr lang="en-US" smtClean="0"/>
               <a:t>‹#›</a:t>
             </a:fld>
@@ -822,7 +818,7 @@
     </p:spTree>
     <p:extLst>
       <p:ext uri="{BB962C8B-B14F-4D97-AF65-F5344CB8AC3E}">
-        <p14:creationId xmlns:p14="http://schemas.microsoft.com/office/powerpoint/2010/main" val="1169921460"/>
+        <p14:creationId xmlns:p14="http://schemas.microsoft.com/office/powerpoint/2010/main" val="2957449214"/>
       </p:ext>
     </p:extLst>
   </p:cSld>
@@ -1015,9 +1011,9 @@
           <a:bodyPr/>
           <a:lstStyle/>
           <a:p>
-            <a:fld id="{9558796E-4B7D-45A1-A5F4-380541084AD6}" type="datetimeFigureOut">
-              <a:rPr lang="en-US" smtClean="0"/>
-              <a:t>3/5/2020</a:t>
+            <a:fld id="{23A3E5DA-E640-4CF1-AA96-746F6E0DCFED}" type="datetimeFigureOut">
+              <a:rPr lang="en-US" smtClean="0"/>
+              <a:t>3/18/2020</a:t>
             </a:fld>
             <a:endParaRPr lang="en-US"/>
           </a:p>
@@ -1057,7 +1053,7 @@
           <a:bodyPr/>
           <a:lstStyle/>
           <a:p>
-            <a:fld id="{9AED0E29-9F28-45D6-9E88-164CBCA15289}" type="slidenum">
+            <a:fld id="{38E1E91B-FD7B-4ECF-A438-740E87E1F004}" type="slidenum">
               <a:rPr lang="en-US" smtClean="0"/>
               <a:t>‹#›</a:t>
             </a:fld>
@@ -1068,7 +1064,7 @@
     </p:spTree>
     <p:extLst>
       <p:ext uri="{BB962C8B-B14F-4D97-AF65-F5344CB8AC3E}">
-        <p14:creationId xmlns:p14="http://schemas.microsoft.com/office/powerpoint/2010/main" val="3983043114"/>
+        <p14:creationId xmlns:p14="http://schemas.microsoft.com/office/powerpoint/2010/main" val="811506895"/>
       </p:ext>
     </p:extLst>
   </p:cSld>
@@ -1247,9 +1243,9 @@
           <a:bodyPr/>
           <a:lstStyle/>
           <a:p>
-            <a:fld id="{9558796E-4B7D-45A1-A5F4-380541084AD6}" type="datetimeFigureOut">
-              <a:rPr lang="en-US" smtClean="0"/>
-              <a:t>3/5/2020</a:t>
+            <a:fld id="{23A3E5DA-E640-4CF1-AA96-746F6E0DCFED}" type="datetimeFigureOut">
+              <a:rPr lang="en-US" smtClean="0"/>
+              <a:t>3/18/2020</a:t>
             </a:fld>
             <a:endParaRPr lang="en-US"/>
           </a:p>
@@ -1289,7 +1285,7 @@
           <a:bodyPr/>
           <a:lstStyle/>
           <a:p>
-            <a:fld id="{9AED0E29-9F28-45D6-9E88-164CBCA15289}" type="slidenum">
+            <a:fld id="{38E1E91B-FD7B-4ECF-A438-740E87E1F004}" type="slidenum">
               <a:rPr lang="en-US" smtClean="0"/>
               <a:t>‹#›</a:t>
             </a:fld>
@@ -1300,7 +1296,7 @@
     </p:spTree>
     <p:extLst>
       <p:ext uri="{BB962C8B-B14F-4D97-AF65-F5344CB8AC3E}">
-        <p14:creationId xmlns:p14="http://schemas.microsoft.com/office/powerpoint/2010/main" val="1586464504"/>
+        <p14:creationId xmlns:p14="http://schemas.microsoft.com/office/powerpoint/2010/main" val="1554500261"/>
       </p:ext>
     </p:extLst>
   </p:cSld>
@@ -1614,9 +1610,9 @@
           <a:bodyPr/>
           <a:lstStyle/>
           <a:p>
-            <a:fld id="{9558796E-4B7D-45A1-A5F4-380541084AD6}" type="datetimeFigureOut">
-              <a:rPr lang="en-US" smtClean="0"/>
-              <a:t>3/5/2020</a:t>
+            <a:fld id="{23A3E5DA-E640-4CF1-AA96-746F6E0DCFED}" type="datetimeFigureOut">
+              <a:rPr lang="en-US" smtClean="0"/>
+              <a:t>3/18/2020</a:t>
             </a:fld>
             <a:endParaRPr lang="en-US"/>
           </a:p>
@@ -1656,7 +1652,7 @@
           <a:bodyPr/>
           <a:lstStyle/>
           <a:p>
-            <a:fld id="{9AED0E29-9F28-45D6-9E88-164CBCA15289}" type="slidenum">
+            <a:fld id="{38E1E91B-FD7B-4ECF-A438-740E87E1F004}" type="slidenum">
               <a:rPr lang="en-US" smtClean="0"/>
               <a:t>‹#›</a:t>
             </a:fld>
@@ -1667,7 +1663,7 @@
     </p:spTree>
     <p:extLst>
       <p:ext uri="{BB962C8B-B14F-4D97-AF65-F5344CB8AC3E}">
-        <p14:creationId xmlns:p14="http://schemas.microsoft.com/office/powerpoint/2010/main" val="1402498121"/>
+        <p14:creationId xmlns:p14="http://schemas.microsoft.com/office/powerpoint/2010/main" val="3914690081"/>
       </p:ext>
     </p:extLst>
   </p:cSld>
@@ -1732,9 +1728,9 @@
           <a:bodyPr/>
           <a:lstStyle/>
           <a:p>
-            <a:fld id="{9558796E-4B7D-45A1-A5F4-380541084AD6}" type="datetimeFigureOut">
-              <a:rPr lang="en-US" smtClean="0"/>
-              <a:t>3/5/2020</a:t>
+            <a:fld id="{23A3E5DA-E640-4CF1-AA96-746F6E0DCFED}" type="datetimeFigureOut">
+              <a:rPr lang="en-US" smtClean="0"/>
+              <a:t>3/18/2020</a:t>
             </a:fld>
             <a:endParaRPr lang="en-US"/>
           </a:p>
@@ -1774,7 +1770,7 @@
           <a:bodyPr/>
           <a:lstStyle/>
           <a:p>
-            <a:fld id="{9AED0E29-9F28-45D6-9E88-164CBCA15289}" type="slidenum">
+            <a:fld id="{38E1E91B-FD7B-4ECF-A438-740E87E1F004}" type="slidenum">
               <a:rPr lang="en-US" smtClean="0"/>
               <a:t>‹#›</a:t>
             </a:fld>
@@ -1785,7 +1781,7 @@
     </p:spTree>
     <p:extLst>
       <p:ext uri="{BB962C8B-B14F-4D97-AF65-F5344CB8AC3E}">
-        <p14:creationId xmlns:p14="http://schemas.microsoft.com/office/powerpoint/2010/main" val="3502031544"/>
+        <p14:creationId xmlns:p14="http://schemas.microsoft.com/office/powerpoint/2010/main" val="1087915395"/>
       </p:ext>
     </p:extLst>
   </p:cSld>
@@ -1827,9 +1823,9 @@
           <a:bodyPr/>
           <a:lstStyle/>
           <a:p>
-            <a:fld id="{9558796E-4B7D-45A1-A5F4-380541084AD6}" type="datetimeFigureOut">
-              <a:rPr lang="en-US" smtClean="0"/>
-              <a:t>3/5/2020</a:t>
+            <a:fld id="{23A3E5DA-E640-4CF1-AA96-746F6E0DCFED}" type="datetimeFigureOut">
+              <a:rPr lang="en-US" smtClean="0"/>
+              <a:t>3/18/2020</a:t>
             </a:fld>
             <a:endParaRPr lang="en-US"/>
           </a:p>
@@ -1869,7 +1865,7 @@
           <a:bodyPr/>
           <a:lstStyle/>
           <a:p>
-            <a:fld id="{9AED0E29-9F28-45D6-9E88-164CBCA15289}" type="slidenum">
+            <a:fld id="{38E1E91B-FD7B-4ECF-A438-740E87E1F004}" type="slidenum">
               <a:rPr lang="en-US" smtClean="0"/>
               <a:t>‹#›</a:t>
             </a:fld>
@@ -1880,7 +1876,7 @@
     </p:spTree>
     <p:extLst>
       <p:ext uri="{BB962C8B-B14F-4D97-AF65-F5344CB8AC3E}">
-        <p14:creationId xmlns:p14="http://schemas.microsoft.com/office/powerpoint/2010/main" val="2226384342"/>
+        <p14:creationId xmlns:p14="http://schemas.microsoft.com/office/powerpoint/2010/main" val="2779038692"/>
       </p:ext>
     </p:extLst>
   </p:cSld>
@@ -2104,9 +2100,9 @@
           <a:bodyPr/>
           <a:lstStyle/>
           <a:p>
-            <a:fld id="{9558796E-4B7D-45A1-A5F4-380541084AD6}" type="datetimeFigureOut">
-              <a:rPr lang="en-US" smtClean="0"/>
-              <a:t>3/5/2020</a:t>
+            <a:fld id="{23A3E5DA-E640-4CF1-AA96-746F6E0DCFED}" type="datetimeFigureOut">
+              <a:rPr lang="en-US" smtClean="0"/>
+              <a:t>3/18/2020</a:t>
             </a:fld>
             <a:endParaRPr lang="en-US"/>
           </a:p>
@@ -2146,7 +2142,7 @@
           <a:bodyPr/>
           <a:lstStyle/>
           <a:p>
-            <a:fld id="{9AED0E29-9F28-45D6-9E88-164CBCA15289}" type="slidenum">
+            <a:fld id="{38E1E91B-FD7B-4ECF-A438-740E87E1F004}" type="slidenum">
               <a:rPr lang="en-US" smtClean="0"/>
               <a:t>‹#›</a:t>
             </a:fld>
@@ -2157,7 +2153,7 @@
     </p:spTree>
     <p:extLst>
       <p:ext uri="{BB962C8B-B14F-4D97-AF65-F5344CB8AC3E}">
-        <p14:creationId xmlns:p14="http://schemas.microsoft.com/office/powerpoint/2010/main" val="2558366948"/>
+        <p14:creationId xmlns:p14="http://schemas.microsoft.com/office/powerpoint/2010/main" val="2526044824"/>
       </p:ext>
     </p:extLst>
   </p:cSld>
@@ -2357,9 +2353,9 @@
           <a:bodyPr/>
           <a:lstStyle/>
           <a:p>
-            <a:fld id="{9558796E-4B7D-45A1-A5F4-380541084AD6}" type="datetimeFigureOut">
-              <a:rPr lang="en-US" smtClean="0"/>
-              <a:t>3/5/2020</a:t>
+            <a:fld id="{23A3E5DA-E640-4CF1-AA96-746F6E0DCFED}" type="datetimeFigureOut">
+              <a:rPr lang="en-US" smtClean="0"/>
+              <a:t>3/18/2020</a:t>
             </a:fld>
             <a:endParaRPr lang="en-US"/>
           </a:p>
@@ -2399,7 +2395,7 @@
           <a:bodyPr/>
           <a:lstStyle/>
           <a:p>
-            <a:fld id="{9AED0E29-9F28-45D6-9E88-164CBCA15289}" type="slidenum">
+            <a:fld id="{38E1E91B-FD7B-4ECF-A438-740E87E1F004}" type="slidenum">
               <a:rPr lang="en-US" smtClean="0"/>
               <a:t>‹#›</a:t>
             </a:fld>
@@ -2410,7 +2406,7 @@
     </p:spTree>
     <p:extLst>
       <p:ext uri="{BB962C8B-B14F-4D97-AF65-F5344CB8AC3E}">
-        <p14:creationId xmlns:p14="http://schemas.microsoft.com/office/powerpoint/2010/main" val="812484095"/>
+        <p14:creationId xmlns:p14="http://schemas.microsoft.com/office/powerpoint/2010/main" val="4006480712"/>
       </p:ext>
     </p:extLst>
   </p:cSld>
@@ -2570,9 +2566,9 @@
             </a:lvl1pPr>
           </a:lstStyle>
           <a:p>
-            <a:fld id="{9558796E-4B7D-45A1-A5F4-380541084AD6}" type="datetimeFigureOut">
-              <a:rPr lang="en-US" smtClean="0"/>
-              <a:t>3/5/2020</a:t>
+            <a:fld id="{23A3E5DA-E640-4CF1-AA96-746F6E0DCFED}" type="datetimeFigureOut">
+              <a:rPr lang="en-US" smtClean="0"/>
+              <a:t>3/18/2020</a:t>
             </a:fld>
             <a:endParaRPr lang="en-US"/>
           </a:p>
@@ -2648,7 +2644,7 @@
             </a:lvl1pPr>
           </a:lstStyle>
           <a:p>
-            <a:fld id="{9AED0E29-9F28-45D6-9E88-164CBCA15289}" type="slidenum">
+            <a:fld id="{38E1E91B-FD7B-4ECF-A438-740E87E1F004}" type="slidenum">
               <a:rPr lang="en-US" smtClean="0"/>
               <a:t>‹#›</a:t>
             </a:fld>
@@ -2659,7 +2655,7 @@
     </p:spTree>
     <p:extLst>
       <p:ext uri="{BB962C8B-B14F-4D97-AF65-F5344CB8AC3E}">
-        <p14:creationId xmlns:p14="http://schemas.microsoft.com/office/powerpoint/2010/main" val="4112320385"/>
+        <p14:creationId xmlns:p14="http://schemas.microsoft.com/office/powerpoint/2010/main" val="3082706181"/>
       </p:ext>
     </p:extLst>
   </p:cSld>
@@ -2994,7 +2990,7 @@
           <a:p>
             <a:r>
               <a:rPr lang="en-US" dirty="0" smtClean="0"/>
-              <a:t>Dataset Preprocessing Steps</a:t>
+              <a:t>Data Pre Processing Steps</a:t>
             </a:r>
             <a:endParaRPr lang="en-US" dirty="0"/>
           </a:p>
@@ -3015,27 +3011,108 @@
           <a:bodyPr/>
           <a:lstStyle/>
           <a:p>
-            <a:endParaRPr lang="en-US" dirty="0"/>
+            <a:endParaRPr lang="en-US"/>
           </a:p>
         </p:txBody>
       </p:sp>
     </p:spTree>
     <p:extLst>
       <p:ext uri="{BB962C8B-B14F-4D97-AF65-F5344CB8AC3E}">
-        <p14:creationId xmlns:p14="http://schemas.microsoft.com/office/powerpoint/2010/main" val="20011597"/>
+        <p14:creationId xmlns:p14="http://schemas.microsoft.com/office/powerpoint/2010/main" val="119001855"/>
       </p:ext>
     </p:extLst>
   </p:cSld>
   <p:clrMapOvr>
     <a:masterClrMapping/>
   </p:clrMapOvr>
-  <p:timing>
-    <p:tnLst>
-      <p:par>
-        <p:cTn id="1" dur="indefinite" restart="never" nodeType="tmRoot"/>
-      </p:par>
-    </p:tnLst>
-  </p:timing>
+</p:sld>
+</file>
+
+<file path=ppt/slides/slide10.xml><?xml version="1.0" encoding="utf-8"?>
+<p:sld xmlns:a="http://schemas.openxmlformats.org/drawingml/2006/main" xmlns:r="http://schemas.openxmlformats.org/officeDocument/2006/relationships" xmlns:p="http://schemas.openxmlformats.org/presentationml/2006/main">
+  <p:cSld>
+    <p:spTree>
+      <p:nvGrpSpPr>
+        <p:cNvPr id="1" name=""/>
+        <p:cNvGrpSpPr/>
+        <p:nvPr/>
+      </p:nvGrpSpPr>
+      <p:grpSpPr>
+        <a:xfrm>
+          <a:off x="0" y="0"/>
+          <a:ext cx="0" cy="0"/>
+          <a:chOff x="0" y="0"/>
+          <a:chExt cx="0" cy="0"/>
+        </a:xfrm>
+      </p:grpSpPr>
+      <p:sp>
+        <p:nvSpPr>
+          <p:cNvPr id="2" name="Title 1"/>
+          <p:cNvSpPr>
+            <a:spLocks noGrp="1"/>
+          </p:cNvSpPr>
+          <p:nvPr>
+            <p:ph type="title"/>
+          </p:nvPr>
+        </p:nvSpPr>
+        <p:spPr/>
+        <p:txBody>
+          <a:bodyPr/>
+          <a:lstStyle/>
+          <a:p>
+            <a:r>
+              <a:rPr lang="en-US" dirty="0" smtClean="0"/>
+              <a:t>Benefits and results (cont.)</a:t>
+            </a:r>
+            <a:endParaRPr lang="en-US" dirty="0"/>
+          </a:p>
+        </p:txBody>
+      </p:sp>
+      <p:sp>
+        <p:nvSpPr>
+          <p:cNvPr id="3" name="Content Placeholder 2"/>
+          <p:cNvSpPr>
+            <a:spLocks noGrp="1"/>
+          </p:cNvSpPr>
+          <p:nvPr>
+            <p:ph idx="1"/>
+          </p:nvPr>
+        </p:nvSpPr>
+        <p:spPr/>
+        <p:txBody>
+          <a:bodyPr/>
+          <a:lstStyle/>
+          <a:p>
+            <a:r>
+              <a:rPr lang="en-US" dirty="0" smtClean="0"/>
+              <a:t>The sliding window mechanism generates images that are a column/row of pixel different, which although would look similar to humans but will be different to ML model</a:t>
+            </a:r>
+          </a:p>
+          <a:p>
+            <a:r>
+              <a:rPr lang="en-US" dirty="0" smtClean="0"/>
+              <a:t>We are working on building ML model to be trained from this dataset</a:t>
+            </a:r>
+          </a:p>
+          <a:p>
+            <a:r>
+              <a:rPr lang="en-US" dirty="0" smtClean="0"/>
+              <a:t>We are hoping to get good accuracy from this method</a:t>
+            </a:r>
+            <a:endParaRPr lang="en-US" dirty="0"/>
+          </a:p>
+        </p:txBody>
+      </p:sp>
+    </p:spTree>
+    <p:extLst>
+      <p:ext uri="{BB962C8B-B14F-4D97-AF65-F5344CB8AC3E}">
+        <p14:creationId xmlns:p14="http://schemas.microsoft.com/office/powerpoint/2010/main" val="1344515507"/>
+      </p:ext>
+    </p:extLst>
+  </p:cSld>
+  <p:clrMapOvr>
+    <a:masterClrMapping/>
+  </p:clrMapOvr>
 </p:sld>
 </file>
 
@@ -3058,7 +3135,7 @@
       </p:grpSpPr>
       <p:sp>
         <p:nvSpPr>
-          <p:cNvPr id="5" name="Title 4"/>
+          <p:cNvPr id="2" name="Title 1"/>
           <p:cNvSpPr>
             <a:spLocks noGrp="1"/>
           </p:cNvSpPr>
@@ -3073,49 +3150,20 @@
           <a:p>
             <a:r>
               <a:rPr lang="en-US" dirty="0" smtClean="0"/>
-              <a:t>Original Image</a:t>
+              <a:t>Context</a:t>
             </a:r>
             <a:endParaRPr lang="en-US" dirty="0"/>
           </a:p>
         </p:txBody>
       </p:sp>
-      <p:pic>
-        <p:nvPicPr>
-          <p:cNvPr id="7" name="Content Placeholder 6"/>
-          <p:cNvPicPr>
-            <a:picLocks noGrp="1" noChangeAspect="1"/>
-          </p:cNvPicPr>
-          <p:nvPr>
-            <p:ph sz="half" idx="2"/>
-          </p:nvPr>
-        </p:nvPicPr>
-        <p:blipFill>
-          <a:blip r:embed="rId2" cstate="print">
-            <a:extLst>
-              <a:ext uri="{28A0092B-C50C-407E-A947-70E740481C1C}">
-                <a14:useLocalDpi xmlns:a14="http://schemas.microsoft.com/office/drawing/2010/main" val="0"/>
-              </a:ext>
-            </a:extLst>
-          </a:blip>
-          <a:stretch>
-            <a:fillRect/>
-          </a:stretch>
-        </p:blipFill>
-        <p:spPr>
-          <a:xfrm>
-            <a:off x="7947124" y="1825625"/>
-            <a:ext cx="1631751" cy="4351338"/>
-          </a:xfrm>
-        </p:spPr>
-      </p:pic>
-      <p:sp>
-        <p:nvSpPr>
-          <p:cNvPr id="8" name="Content Placeholder 7"/>
-          <p:cNvSpPr>
-            <a:spLocks noGrp="1"/>
-          </p:cNvSpPr>
-          <p:nvPr>
-            <p:ph sz="half" idx="1"/>
+      <p:sp>
+        <p:nvSpPr>
+          <p:cNvPr id="3" name="Content Placeholder 2"/>
+          <p:cNvSpPr>
+            <a:spLocks noGrp="1"/>
+          </p:cNvSpPr>
+          <p:nvPr>
+            <p:ph idx="1"/>
           </p:nvPr>
         </p:nvSpPr>
         <p:spPr/>
@@ -3125,7 +3173,31 @@
           <a:p>
             <a:r>
               <a:rPr lang="en-US" dirty="0" smtClean="0"/>
-              <a:t>Let us take an example of the given image</a:t>
+              <a:t>We currently have 228 images of damaged walls captured in our campus areas</a:t>
+            </a:r>
+          </a:p>
+          <a:p>
+            <a:r>
+              <a:rPr lang="en-US" dirty="0" smtClean="0"/>
+              <a:t>Each image has 1 or more classes (cracked wall, damp wall, peeled paint, no defect) that we need to classify in our ML model</a:t>
+            </a:r>
+          </a:p>
+          <a:p>
+            <a:r>
+              <a:rPr lang="en-US" dirty="0" smtClean="0"/>
+              <a:t>These images also has various noise i.e. things which are not a wall</a:t>
+            </a:r>
+          </a:p>
+          <a:p>
+            <a:r>
+              <a:rPr lang="en-US" dirty="0" smtClean="0"/>
+              <a:t>So generating dataset first from these noisy images and then labelling them will take days of manual work</a:t>
+            </a:r>
+          </a:p>
+          <a:p>
+            <a:r>
+              <a:rPr lang="en-US" dirty="0" smtClean="0"/>
+              <a:t>In this presentation, we propose an easy way of generating dataset with least amount of manual work</a:t>
             </a:r>
             <a:endParaRPr lang="en-US" dirty="0"/>
           </a:p>
@@ -3134,20 +3206,13 @@
     </p:spTree>
     <p:extLst>
       <p:ext uri="{BB962C8B-B14F-4D97-AF65-F5344CB8AC3E}">
-        <p14:creationId xmlns:p14="http://schemas.microsoft.com/office/powerpoint/2010/main" val="2703238168"/>
+        <p14:creationId xmlns:p14="http://schemas.microsoft.com/office/powerpoint/2010/main" val="825724535"/>
       </p:ext>
     </p:extLst>
   </p:cSld>
   <p:clrMapOvr>
     <a:masterClrMapping/>
   </p:clrMapOvr>
-  <p:timing>
-    <p:tnLst>
-      <p:par>
-        <p:cTn id="1" dur="indefinite" restart="never" nodeType="tmRoot"/>
-      </p:par>
-    </p:tnLst>
-  </p:timing>
 </p:sld>
 </file>
 
@@ -3185,7 +3250,7 @@
           <a:p>
             <a:r>
               <a:rPr lang="en-US" dirty="0" smtClean="0"/>
-              <a:t>Ask user for the crop window</a:t>
+              <a:t>Example</a:t>
             </a:r>
             <a:endParaRPr lang="en-US" dirty="0"/>
           </a:p>
@@ -3203,34 +3268,19 @@
         </p:nvSpPr>
         <p:spPr/>
         <p:txBody>
-          <a:bodyPr>
-            <a:normAutofit lnSpcReduction="10000"/>
-          </a:bodyPr>
+          <a:bodyPr/>
           <a:lstStyle/>
           <a:p>
             <a:r>
               <a:rPr lang="en-US" dirty="0" smtClean="0"/>
-              <a:t>It will start the cropping window from the topmost and leftmost unvisited sub image</a:t>
-            </a:r>
-          </a:p>
-          <a:p>
-            <a:r>
-              <a:rPr lang="en-US" dirty="0" smtClean="0"/>
-              <a:t>This cropping window is to ensure that the sub image is pure (not a wall, wall with no defects, damp wall, cracked wall, paint peel off)</a:t>
-            </a:r>
-          </a:p>
-          <a:p>
-            <a:r>
-              <a:rPr lang="en-US" dirty="0" smtClean="0"/>
-              <a:t>Adjacent image shows the first cropping window which is purely “not a wall” class</a:t>
-            </a:r>
-            <a:endParaRPr lang="en-US" dirty="0"/>
+              <a:t>Let us take an example image of one of our captured images</a:t>
+            </a:r>
           </a:p>
         </p:txBody>
       </p:sp>
       <p:pic>
         <p:nvPicPr>
-          <p:cNvPr id="8" name="Content Placeholder 7"/>
+          <p:cNvPr id="5" name="Content Placeholder 5"/>
           <p:cNvPicPr>
             <a:picLocks noGrp="1" noChangeAspect="1"/>
           </p:cNvPicPr>
@@ -3252,108 +3302,21 @@
         </p:blipFill>
         <p:spPr>
           <a:xfrm>
-            <a:off x="9722049" y="1825625"/>
-            <a:ext cx="1631751" cy="4351338"/>
+            <a:off x="7741506" y="1825625"/>
+            <a:ext cx="2042988" cy="4351338"/>
           </a:xfrm>
-          <a:ln w="76200">
-            <a:solidFill>
-              <a:schemeClr val="tx1"/>
-            </a:solidFill>
-          </a:ln>
         </p:spPr>
       </p:pic>
-      <p:pic>
-        <p:nvPicPr>
-          <p:cNvPr id="9" name="Content Placeholder 6"/>
-          <p:cNvPicPr>
-            <a:picLocks noChangeAspect="1"/>
-          </p:cNvPicPr>
-          <p:nvPr/>
-        </p:nvPicPr>
-        <p:blipFill>
-          <a:blip r:embed="rId3" cstate="print">
-            <a:extLst>
-              <a:ext uri="{28A0092B-C50C-407E-A947-70E740481C1C}">
-                <a14:useLocalDpi xmlns:a14="http://schemas.microsoft.com/office/drawing/2010/main" val="0"/>
-              </a:ext>
-            </a:extLst>
-          </a:blip>
-          <a:stretch>
-            <a:fillRect/>
-          </a:stretch>
-        </p:blipFill>
-        <p:spPr>
-          <a:xfrm>
-            <a:off x="6995452" y="1825625"/>
-            <a:ext cx="1631751" cy="4351338"/>
-          </a:xfrm>
-          <a:prstGeom prst="rect">
-            <a:avLst/>
-          </a:prstGeom>
-          <a:ln w="76200">
-            <a:solidFill>
-              <a:schemeClr val="tx1"/>
-            </a:solidFill>
-          </a:ln>
-        </p:spPr>
-      </p:pic>
-      <p:sp>
-        <p:nvSpPr>
-          <p:cNvPr id="10" name="Right Arrow 9"/>
-          <p:cNvSpPr/>
-          <p:nvPr/>
-        </p:nvSpPr>
-        <p:spPr>
-          <a:xfrm>
-            <a:off x="8878652" y="3516662"/>
-            <a:ext cx="591948" cy="484632"/>
-          </a:xfrm>
-          <a:prstGeom prst="rightArrow">
-            <a:avLst/>
-          </a:prstGeom>
-        </p:spPr>
-        <p:style>
-          <a:lnRef idx="2">
-            <a:schemeClr val="accent1">
-              <a:shade val="50000"/>
-            </a:schemeClr>
-          </a:lnRef>
-          <a:fillRef idx="1">
-            <a:schemeClr val="accent1"/>
-          </a:fillRef>
-          <a:effectRef idx="0">
-            <a:schemeClr val="accent1"/>
-          </a:effectRef>
-          <a:fontRef idx="minor">
-            <a:schemeClr val="lt1"/>
-          </a:fontRef>
-        </p:style>
-        <p:txBody>
-          <a:bodyPr rtlCol="0" anchor="ctr"/>
-          <a:lstStyle/>
-          <a:p>
-            <a:pPr algn="ctr"/>
-            <a:endParaRPr lang="en-US"/>
-          </a:p>
-        </p:txBody>
-      </p:sp>
     </p:spTree>
     <p:extLst>
       <p:ext uri="{BB962C8B-B14F-4D97-AF65-F5344CB8AC3E}">
-        <p14:creationId xmlns:p14="http://schemas.microsoft.com/office/powerpoint/2010/main" val="2047202000"/>
+        <p14:creationId xmlns:p14="http://schemas.microsoft.com/office/powerpoint/2010/main" val="4176591096"/>
       </p:ext>
     </p:extLst>
   </p:cSld>
   <p:clrMapOvr>
     <a:masterClrMapping/>
   </p:clrMapOvr>
-  <p:timing>
-    <p:tnLst>
-      <p:par>
-        <p:cTn id="1" dur="indefinite" restart="never" nodeType="tmRoot"/>
-      </p:par>
-    </p:tnLst>
-  </p:timing>
 </p:sld>
 </file>
 
@@ -3391,7 +3354,7 @@
           <a:p>
             <a:r>
               <a:rPr lang="en-US" dirty="0" smtClean="0"/>
-              <a:t>Ask the user to tag the pure sub image</a:t>
+              <a:t>Divide the images into classes</a:t>
             </a:r>
             <a:endParaRPr lang="en-US" dirty="0"/>
           </a:p>
@@ -3404,7 +3367,7 @@
             <a:spLocks noGrp="1"/>
           </p:cNvSpPr>
           <p:nvPr>
-            <p:ph sz="half" idx="1"/>
+            <p:ph idx="1"/>
           </p:nvPr>
         </p:nvSpPr>
         <p:spPr/>
@@ -3414,64 +3377,69 @@
           <a:p>
             <a:r>
               <a:rPr lang="en-US" dirty="0" smtClean="0"/>
-              <a:t>This tagging, although being manual would be done only once for a bigger sub image rather than many smaller sub images</a:t>
-            </a:r>
-          </a:p>
-          <a:p>
+              <a:t>The image on the previous slide can be divided into classes as follows</a:t>
+            </a:r>
+          </a:p>
+          <a:p>
+            <a:pPr lvl="1"/>
             <a:r>
               <a:rPr lang="en-US" dirty="0" smtClean="0"/>
-              <a:t>Adjacent image shows that the user has tagged the sub image to the “not a wall” class</a:t>
+              <a:t>Red = Not a wall</a:t>
+            </a:r>
+          </a:p>
+          <a:p>
+            <a:pPr lvl="1"/>
+            <a:r>
+              <a:rPr lang="en-US" dirty="0" smtClean="0"/>
+              <a:t>Blue = No defect</a:t>
+            </a:r>
+          </a:p>
+          <a:p>
+            <a:pPr lvl="1"/>
+            <a:r>
+              <a:rPr lang="en-US" dirty="0" smtClean="0"/>
+              <a:t>Black = Fungus (Damp wall)</a:t>
+            </a:r>
+          </a:p>
+          <a:p>
+            <a:pPr lvl="1"/>
+            <a:r>
+              <a:rPr lang="en-US" dirty="0" smtClean="0"/>
+              <a:t>Pink = Peeled paint</a:t>
+            </a:r>
+          </a:p>
+          <a:p>
+            <a:pPr lvl="1"/>
+            <a:r>
+              <a:rPr lang="en-US" dirty="0" smtClean="0"/>
+              <a:t>Green = Algae (Damp wall)</a:t>
             </a:r>
             <a:endParaRPr lang="en-US" dirty="0"/>
           </a:p>
-        </p:txBody>
-      </p:sp>
-      <p:pic>
-        <p:nvPicPr>
-          <p:cNvPr id="5" name="Content Placeholder 4"/>
-          <p:cNvPicPr>
-            <a:picLocks noGrp="1" noChangeAspect="1"/>
-          </p:cNvPicPr>
-          <p:nvPr>
-            <p:ph sz="half" idx="2"/>
-          </p:nvPr>
-        </p:nvPicPr>
-        <p:blipFill>
-          <a:blip r:embed="rId2" cstate="print">
-            <a:extLst>
-              <a:ext uri="{28A0092B-C50C-407E-A947-70E740481C1C}">
-                <a14:useLocalDpi xmlns:a14="http://schemas.microsoft.com/office/drawing/2010/main" val="0"/>
-              </a:ext>
-            </a:extLst>
-          </a:blip>
-          <a:stretch>
-            <a:fillRect/>
-          </a:stretch>
-        </p:blipFill>
-        <p:spPr>
-          <a:xfrm>
-            <a:off x="7947124" y="1825625"/>
-            <a:ext cx="1631751" cy="4351338"/>
-          </a:xfrm>
-        </p:spPr>
-      </p:pic>
+          <a:p>
+            <a:r>
+              <a:rPr lang="en-US" dirty="0" smtClean="0"/>
+              <a:t>There is no crack in this image</a:t>
+            </a:r>
+          </a:p>
+          <a:p>
+            <a:r>
+              <a:rPr lang="en-US" dirty="0" smtClean="0"/>
+              <a:t>We will consider fungus and algae in the same class as “Damp wall”</a:t>
+            </a:r>
+          </a:p>
+        </p:txBody>
+      </p:sp>
     </p:spTree>
     <p:extLst>
       <p:ext uri="{BB962C8B-B14F-4D97-AF65-F5344CB8AC3E}">
-        <p14:creationId xmlns:p14="http://schemas.microsoft.com/office/powerpoint/2010/main" val="1016797874"/>
+        <p14:creationId xmlns:p14="http://schemas.microsoft.com/office/powerpoint/2010/main" val="3580819905"/>
       </p:ext>
     </p:extLst>
   </p:cSld>
   <p:clrMapOvr>
     <a:masterClrMapping/>
   </p:clrMapOvr>
-  <p:timing>
-    <p:tnLst>
-      <p:par>
-        <p:cTn id="1" dur="indefinite" restart="never" nodeType="tmRoot"/>
-      </p:par>
-    </p:tnLst>
-  </p:timing>
 </p:sld>
 </file>
 
@@ -3492,68 +3460,35 @@
           <a:chExt cx="0" cy="0"/>
         </a:xfrm>
       </p:grpSpPr>
-      <p:sp>
-        <p:nvSpPr>
-          <p:cNvPr id="2" name="Title 1"/>
-          <p:cNvSpPr>
-            <a:spLocks noGrp="1"/>
-          </p:cNvSpPr>
-          <p:nvPr>
-            <p:ph type="title"/>
-          </p:nvPr>
-        </p:nvSpPr>
-        <p:spPr/>
-        <p:txBody>
-          <a:bodyPr/>
-          <a:lstStyle/>
-          <a:p>
-            <a:r>
-              <a:rPr lang="en-US" dirty="0" smtClean="0"/>
-              <a:t>Process the sub images</a:t>
-            </a:r>
-            <a:endParaRPr lang="en-US" dirty="0"/>
-          </a:p>
-        </p:txBody>
-      </p:sp>
-      <p:sp>
-        <p:nvSpPr>
-          <p:cNvPr id="3" name="Content Placeholder 2"/>
-          <p:cNvSpPr>
-            <a:spLocks noGrp="1"/>
-          </p:cNvSpPr>
+      <p:pic>
+        <p:nvPicPr>
+          <p:cNvPr id="4" name="Content Placeholder 3"/>
+          <p:cNvPicPr>
+            <a:picLocks noGrp="1" noChangeAspect="1"/>
+          </p:cNvPicPr>
           <p:nvPr>
             <p:ph idx="1"/>
           </p:nvPr>
-        </p:nvSpPr>
-        <p:spPr/>
-        <p:txBody>
-          <a:bodyPr/>
-          <a:lstStyle/>
-          <a:p>
-            <a:r>
-              <a:rPr lang="en-US" dirty="0" smtClean="0"/>
-              <a:t>The images in the tagged sub image would be cropped into all combinations of square images starting from square of size 256 and incrementing the square size by 1</a:t>
-            </a:r>
-          </a:p>
-          <a:p>
-            <a:r>
-              <a:rPr lang="en-US" dirty="0" smtClean="0"/>
-              <a:t>This process would be done by background threads and a thread would proceed with the next step</a:t>
-            </a:r>
-          </a:p>
-          <a:p>
-            <a:r>
-              <a:rPr lang="en-US" dirty="0" smtClean="0"/>
-              <a:t>If the user entered the class of a “not a wall”, then no processing would take place and the complete sub image would be dumped</a:t>
-            </a:r>
-            <a:endParaRPr lang="en-US" dirty="0"/>
-          </a:p>
-        </p:txBody>
-      </p:sp>
+        </p:nvPicPr>
+        <p:blipFill rotWithShape="1">
+          <a:blip r:embed="rId2"/>
+          <a:srcRect l="29399" t="16371" r="40994" b="31881"/>
+          <a:stretch/>
+        </p:blipFill>
+        <p:spPr>
+          <a:xfrm>
+            <a:off x="3226270" y="607684"/>
+            <a:ext cx="5739461" cy="5642632"/>
+          </a:xfrm>
+          <a:prstGeom prst="rect">
+            <a:avLst/>
+          </a:prstGeom>
+        </p:spPr>
+      </p:pic>
     </p:spTree>
     <p:extLst>
       <p:ext uri="{BB962C8B-B14F-4D97-AF65-F5344CB8AC3E}">
-        <p14:creationId xmlns:p14="http://schemas.microsoft.com/office/powerpoint/2010/main" val="1382104563"/>
+        <p14:creationId xmlns:p14="http://schemas.microsoft.com/office/powerpoint/2010/main" val="2484536107"/>
       </p:ext>
     </p:extLst>
   </p:cSld>
@@ -3597,7 +3532,7 @@
           <a:p>
             <a:r>
               <a:rPr lang="en-US" dirty="0" smtClean="0"/>
-              <a:t>Ask user for the crop window</a:t>
+              <a:t>How to divide the image into classes</a:t>
             </a:r>
             <a:endParaRPr lang="en-US" dirty="0"/>
           </a:p>
@@ -3610,7 +3545,7 @@
             <a:spLocks noGrp="1"/>
           </p:cNvSpPr>
           <p:nvPr>
-            <p:ph sz="half" idx="1"/>
+            <p:ph idx="1"/>
           </p:nvPr>
         </p:nvSpPr>
         <p:spPr/>
@@ -3620,29 +3555,31 @@
           <a:p>
             <a:r>
               <a:rPr lang="en-US" dirty="0" smtClean="0"/>
-              <a:t>It will start the cropping window from the topmost and leftmost unvisited sub image</a:t>
+              <a:t>The division of image is done manually</a:t>
             </a:r>
           </a:p>
           <a:p>
             <a:r>
               <a:rPr lang="en-US" dirty="0" smtClean="0"/>
-              <a:t>This sub image again is pure with only the </a:t>
-            </a:r>
+              <a:t>But as the divided image would be as pure as possible (sub image comprising of only one class), the amount of noise would be reduced</a:t>
+            </a:r>
+          </a:p>
+          <a:p>
             <a:r>
               <a:rPr lang="en-US" dirty="0" smtClean="0"/>
-              <a:t>“</a:t>
-            </a:r>
+              <a:t>This cropped image would be placed in a folder of a specific class</a:t>
+            </a:r>
+          </a:p>
+          <a:p>
             <a:r>
               <a:rPr lang="en-US" dirty="0" smtClean="0"/>
-              <a:t>damp wall</a:t>
-            </a:r>
+              <a:t>Currently we have taken 20 such sub images each of dimensions (300*300) for each class (total 80)</a:t>
+            </a:r>
+          </a:p>
+          <a:p>
             <a:r>
               <a:rPr lang="en-US" dirty="0" smtClean="0"/>
-              <a:t>” </a:t>
-            </a:r>
-            <a:r>
-              <a:rPr lang="en-US" dirty="0" smtClean="0"/>
-              <a:t>class</a:t>
+              <a:t>The above 20 sub images are taken from different images to increase the variation in the dataset</a:t>
             </a:r>
           </a:p>
           <a:p>
@@ -3650,39 +3587,10 @@
           </a:p>
         </p:txBody>
       </p:sp>
-      <p:pic>
-        <p:nvPicPr>
-          <p:cNvPr id="5" name="Content Placeholder 4"/>
-          <p:cNvPicPr>
-            <a:picLocks noGrp="1" noChangeAspect="1"/>
-          </p:cNvPicPr>
-          <p:nvPr>
-            <p:ph sz="half" idx="2"/>
-          </p:nvPr>
-        </p:nvPicPr>
-        <p:blipFill>
-          <a:blip r:embed="rId2" cstate="print">
-            <a:extLst>
-              <a:ext uri="{28A0092B-C50C-407E-A947-70E740481C1C}">
-                <a14:useLocalDpi xmlns:a14="http://schemas.microsoft.com/office/drawing/2010/main" val="0"/>
-              </a:ext>
-            </a:extLst>
-          </a:blip>
-          <a:stretch>
-            <a:fillRect/>
-          </a:stretch>
-        </p:blipFill>
-        <p:spPr>
-          <a:xfrm>
-            <a:off x="7947124" y="1825625"/>
-            <a:ext cx="1631751" cy="4351338"/>
-          </a:xfrm>
-        </p:spPr>
-      </p:pic>
     </p:spTree>
     <p:extLst>
       <p:ext uri="{BB962C8B-B14F-4D97-AF65-F5344CB8AC3E}">
-        <p14:creationId xmlns:p14="http://schemas.microsoft.com/office/powerpoint/2010/main" val="3913823318"/>
+        <p14:creationId xmlns:p14="http://schemas.microsoft.com/office/powerpoint/2010/main" val="2278964976"/>
       </p:ext>
     </p:extLst>
   </p:cSld>
@@ -3726,7 +3634,7 @@
           <a:p>
             <a:r>
               <a:rPr lang="en-US" dirty="0" smtClean="0"/>
-              <a:t>Ask the user to tag the pure sub image</a:t>
+              <a:t>Process each divided class</a:t>
             </a:r>
             <a:endParaRPr lang="en-US" dirty="0"/>
           </a:p>
@@ -3739,7 +3647,7 @@
             <a:spLocks noGrp="1"/>
           </p:cNvSpPr>
           <p:nvPr>
-            <p:ph sz="half" idx="1"/>
+            <p:ph idx="1"/>
           </p:nvPr>
         </p:nvSpPr>
         <p:spPr/>
@@ -3749,61 +3657,36 @@
           <a:p>
             <a:r>
               <a:rPr lang="en-US" dirty="0" smtClean="0"/>
-              <a:t>Adjacent image shows that the user has tagged the sub image as </a:t>
-            </a:r>
+              <a:t>For each sub image of 4 classes, we would generate all possible (256*256) window images</a:t>
+            </a:r>
+          </a:p>
+          <a:p>
             <a:r>
               <a:rPr lang="en-US" dirty="0" smtClean="0"/>
-              <a:t>“</a:t>
-            </a:r>
+              <a:t>These generated window images would be a part of our final dataset</a:t>
+            </a:r>
+          </a:p>
+          <a:p>
             <a:r>
               <a:rPr lang="en-US" dirty="0" smtClean="0"/>
-              <a:t>damp wall</a:t>
-            </a:r>
+              <a:t>We will be using sliding window mechanism to generate these dataset (first few iterations illustrated in next slide)</a:t>
+            </a:r>
+          </a:p>
+          <a:p>
             <a:r>
               <a:rPr lang="en-US" dirty="0" smtClean="0"/>
-              <a:t>” </a:t>
-            </a:r>
-            <a:r>
-              <a:rPr lang="en-US" dirty="0" smtClean="0"/>
-              <a:t>class</a:t>
-            </a:r>
-            <a:endParaRPr lang="en-US" dirty="0"/>
-          </a:p>
-        </p:txBody>
-      </p:sp>
-      <p:pic>
-        <p:nvPicPr>
-          <p:cNvPr id="5" name="Content Placeholder 4"/>
-          <p:cNvPicPr>
-            <a:picLocks noGrp="1" noChangeAspect="1"/>
-          </p:cNvPicPr>
-          <p:nvPr>
-            <p:ph sz="half" idx="2"/>
-          </p:nvPr>
-        </p:nvPicPr>
-        <p:blipFill>
-          <a:blip r:embed="rId2" cstate="print">
-            <a:extLst>
-              <a:ext uri="{28A0092B-C50C-407E-A947-70E740481C1C}">
-                <a14:useLocalDpi xmlns:a14="http://schemas.microsoft.com/office/drawing/2010/main" val="0"/>
-              </a:ext>
-            </a:extLst>
-          </a:blip>
-          <a:stretch>
-            <a:fillRect/>
-          </a:stretch>
-        </p:blipFill>
-        <p:spPr>
-          <a:xfrm>
-            <a:off x="7947124" y="1825625"/>
-            <a:ext cx="1631751" cy="4351338"/>
-          </a:xfrm>
-        </p:spPr>
-      </p:pic>
+              <a:t>We are not applying any synthetic transformations such as rotation, scaling, etc.</a:t>
+            </a:r>
+          </a:p>
+          <a:p>
+            <a:endParaRPr lang="en-US" dirty="0" smtClean="0"/>
+          </a:p>
+        </p:txBody>
+      </p:sp>
     </p:spTree>
     <p:extLst>
       <p:ext uri="{BB962C8B-B14F-4D97-AF65-F5344CB8AC3E}">
-        <p14:creationId xmlns:p14="http://schemas.microsoft.com/office/powerpoint/2010/main" val="842716388"/>
+        <p14:creationId xmlns:p14="http://schemas.microsoft.com/office/powerpoint/2010/main" val="336367439"/>
       </p:ext>
     </p:extLst>
   </p:cSld>
@@ -3830,89 +3713,104 @@
           <a:chExt cx="0" cy="0"/>
         </a:xfrm>
       </p:grpSpPr>
-      <p:sp>
-        <p:nvSpPr>
-          <p:cNvPr id="2" name="Title 1"/>
-          <p:cNvSpPr>
-            <a:spLocks noGrp="1"/>
-          </p:cNvSpPr>
-          <p:nvPr>
-            <p:ph type="title"/>
-          </p:nvPr>
-        </p:nvSpPr>
-        <p:spPr/>
-        <p:txBody>
-          <a:bodyPr/>
-          <a:lstStyle/>
-          <a:p>
-            <a:r>
-              <a:rPr lang="en-US" dirty="0" smtClean="0"/>
-              <a:t>Process the sub images</a:t>
-            </a:r>
-            <a:endParaRPr lang="en-US" dirty="0"/>
-          </a:p>
-        </p:txBody>
-      </p:sp>
-      <p:sp>
-        <p:nvSpPr>
-          <p:cNvPr id="3" name="Content Placeholder 2"/>
-          <p:cNvSpPr>
-            <a:spLocks noGrp="1"/>
-          </p:cNvSpPr>
+      <p:pic>
+        <p:nvPicPr>
+          <p:cNvPr id="6" name="Content Placeholder 5"/>
+          <p:cNvPicPr>
+            <a:picLocks noGrp="1" noChangeAspect="1"/>
+          </p:cNvPicPr>
           <p:nvPr>
             <p:ph idx="1"/>
           </p:nvPr>
-        </p:nvSpPr>
-        <p:spPr/>
-        <p:txBody>
-          <a:bodyPr/>
-          <a:lstStyle/>
-          <a:p>
-            <a:r>
-              <a:rPr lang="en-US" dirty="0" smtClean="0"/>
-              <a:t>The crop window that was selected in the previous step was a </a:t>
-            </a:r>
-            <a:r>
-              <a:rPr lang="en-US" dirty="0" smtClean="0"/>
-              <a:t>“</a:t>
-            </a:r>
-            <a:r>
-              <a:rPr lang="en-US" smtClean="0"/>
-              <a:t>damp wall” </a:t>
-            </a:r>
-            <a:r>
-              <a:rPr lang="en-US" dirty="0" smtClean="0"/>
-              <a:t>class</a:t>
-            </a:r>
-          </a:p>
-          <a:p>
-            <a:r>
-              <a:rPr lang="en-US" dirty="0" smtClean="0"/>
-              <a:t>The images in the tagged sub image would be cropped into all combinations of square images starting from square of size 256 and incrementing the square size by 1</a:t>
-            </a:r>
-          </a:p>
-          <a:p>
-            <a:r>
-              <a:rPr lang="en-US" dirty="0" smtClean="0"/>
-              <a:t>This will again be done in a background thread</a:t>
-            </a:r>
-          </a:p>
-          <a:p>
-            <a:r>
-              <a:rPr lang="en-US" dirty="0"/>
-              <a:t>O</a:t>
-            </a:r>
-            <a:r>
-              <a:rPr lang="en-US" dirty="0" smtClean="0"/>
-              <a:t>nly one manual input is required to obtain these all sub images</a:t>
-            </a:r>
-          </a:p>
-        </p:txBody>
-      </p:sp>
+        </p:nvPicPr>
+        <p:blipFill rotWithShape="1">
+          <a:blip r:embed="rId2"/>
+          <a:srcRect l="41110" t="35141" r="42168" b="35220"/>
+          <a:stretch/>
+        </p:blipFill>
+        <p:spPr>
+          <a:xfrm>
+            <a:off x="644910" y="2074545"/>
+            <a:ext cx="2536826" cy="2529354"/>
+          </a:xfrm>
+          <a:prstGeom prst="rect">
+            <a:avLst/>
+          </a:prstGeom>
+        </p:spPr>
+      </p:pic>
+      <p:pic>
+        <p:nvPicPr>
+          <p:cNvPr id="7" name="Picture 6"/>
+          <p:cNvPicPr>
+            <a:picLocks noChangeAspect="1"/>
+          </p:cNvPicPr>
+          <p:nvPr/>
+        </p:nvPicPr>
+        <p:blipFill rotWithShape="1">
+          <a:blip r:embed="rId3"/>
+          <a:srcRect l="41125" t="35296" r="42228" b="35185"/>
+          <a:stretch/>
+        </p:blipFill>
+        <p:spPr>
+          <a:xfrm>
+            <a:off x="3473269" y="2074545"/>
+            <a:ext cx="2535701" cy="2529354"/>
+          </a:xfrm>
+          <a:prstGeom prst="rect">
+            <a:avLst/>
+          </a:prstGeom>
+        </p:spPr>
+      </p:pic>
+      <p:pic>
+        <p:nvPicPr>
+          <p:cNvPr id="8" name="Picture 7"/>
+          <p:cNvPicPr>
+            <a:picLocks noChangeAspect="1"/>
+          </p:cNvPicPr>
+          <p:nvPr/>
+        </p:nvPicPr>
+        <p:blipFill rotWithShape="1">
+          <a:blip r:embed="rId4"/>
+          <a:srcRect l="41084" t="35088" r="42139" b="35184"/>
+          <a:stretch/>
+        </p:blipFill>
+        <p:spPr>
+          <a:xfrm>
+            <a:off x="6300038" y="2074545"/>
+            <a:ext cx="2537757" cy="2529354"/>
+          </a:xfrm>
+          <a:prstGeom prst="rect">
+            <a:avLst/>
+          </a:prstGeom>
+        </p:spPr>
+      </p:pic>
+      <p:pic>
+        <p:nvPicPr>
+          <p:cNvPr id="9" name="Picture 8"/>
+          <p:cNvPicPr>
+            <a:picLocks noChangeAspect="1"/>
+          </p:cNvPicPr>
+          <p:nvPr/>
+        </p:nvPicPr>
+        <p:blipFill rotWithShape="1">
+          <a:blip r:embed="rId5"/>
+          <a:srcRect l="41167" t="35296" r="42208" b="35296"/>
+          <a:stretch/>
+        </p:blipFill>
+        <p:spPr>
+          <a:xfrm>
+            <a:off x="9128863" y="2074206"/>
+            <a:ext cx="2542437" cy="2529693"/>
+          </a:xfrm>
+          <a:prstGeom prst="rect">
+            <a:avLst/>
+          </a:prstGeom>
+        </p:spPr>
+      </p:pic>
     </p:spTree>
     <p:extLst>
       <p:ext uri="{BB962C8B-B14F-4D97-AF65-F5344CB8AC3E}">
-        <p14:creationId xmlns:p14="http://schemas.microsoft.com/office/powerpoint/2010/main" val="2636641608"/>
+        <p14:creationId xmlns:p14="http://schemas.microsoft.com/office/powerpoint/2010/main" val="2944704060"/>
       </p:ext>
     </p:extLst>
   </p:cSld>
@@ -3941,6 +3839,40 @@
       </p:grpSpPr>
       <p:sp>
         <p:nvSpPr>
+          <p:cNvPr id="3" name="Content Placeholder 2"/>
+          <p:cNvSpPr>
+            <a:spLocks noGrp="1"/>
+          </p:cNvSpPr>
+          <p:nvPr>
+            <p:ph idx="1"/>
+          </p:nvPr>
+        </p:nvSpPr>
+        <p:spPr/>
+        <p:txBody>
+          <a:bodyPr/>
+          <a:lstStyle/>
+          <a:p>
+            <a:r>
+              <a:rPr lang="en-US" dirty="0" smtClean="0"/>
+              <a:t>For each (300*300) image, we are getting (300-256+1)^2 = 2025 (256*256) images each labelled with same class as the input (300*300) image</a:t>
+            </a:r>
+          </a:p>
+          <a:p>
+            <a:r>
+              <a:rPr lang="en-US" dirty="0" smtClean="0"/>
+              <a:t>Thus for 80 such labelled (300*300) images, we are obtaining (2025*80) = 1,62,000 labelled (256*256) images</a:t>
+            </a:r>
+          </a:p>
+          <a:p>
+            <a:r>
+              <a:rPr lang="en-US" dirty="0" smtClean="0"/>
+              <a:t>We can increase the number of samples (currently 80) to increase the volume of the dataset and reduce the cropping window size (currently 300*300) to increase the variation</a:t>
+            </a:r>
+          </a:p>
+        </p:txBody>
+      </p:sp>
+      <p:sp>
+        <p:nvSpPr>
           <p:cNvPr id="2" name="Title 1"/>
           <p:cNvSpPr>
             <a:spLocks noGrp="1"/>
@@ -3956,42 +3888,7 @@
           <a:p>
             <a:r>
               <a:rPr lang="en-US" dirty="0" smtClean="0"/>
-              <a:t>And so on…</a:t>
-            </a:r>
-            <a:endParaRPr lang="en-US" dirty="0"/>
-          </a:p>
-        </p:txBody>
-      </p:sp>
-      <p:sp>
-        <p:nvSpPr>
-          <p:cNvPr id="3" name="Content Placeholder 2"/>
-          <p:cNvSpPr>
-            <a:spLocks noGrp="1"/>
-          </p:cNvSpPr>
-          <p:nvPr>
-            <p:ph idx="1"/>
-          </p:nvPr>
-        </p:nvSpPr>
-        <p:spPr/>
-        <p:txBody>
-          <a:bodyPr/>
-          <a:lstStyle/>
-          <a:p>
-            <a:r>
-              <a:rPr lang="en-US" dirty="0" smtClean="0"/>
-              <a:t>Likewise the processing would continue until all the sub images of the image would be tagged</a:t>
-            </a:r>
-          </a:p>
-          <a:p>
-            <a:r>
-              <a:rPr lang="en-US" dirty="0" smtClean="0"/>
-              <a:t>These steps help us to reduce the manual entry part as less as possible</a:t>
-            </a:r>
-          </a:p>
-          <a:p>
-            <a:r>
-              <a:rPr lang="en-US" dirty="0" smtClean="0"/>
-              <a:t>These steps also give pure dataset with almost no noise that would help increase the machine learning model to train with higher accuracy</a:t>
+              <a:t>Benefit and results</a:t>
             </a:r>
             <a:endParaRPr lang="en-US" dirty="0"/>
           </a:p>
@@ -4000,7 +3897,7 @@
     </p:spTree>
     <p:extLst>
       <p:ext uri="{BB962C8B-B14F-4D97-AF65-F5344CB8AC3E}">
-        <p14:creationId xmlns:p14="http://schemas.microsoft.com/office/powerpoint/2010/main" val="4122190527"/>
+        <p14:creationId xmlns:p14="http://schemas.microsoft.com/office/powerpoint/2010/main" val="382904068"/>
       </p:ext>
     </p:extLst>
   </p:cSld>
